--- a/Overview.pptx
+++ b/Overview.pptx
@@ -4768,15 +4768,7 @@
           <a:p>
             <a:r>
               <a:rPr lang="en-US" dirty="0" smtClean="0"/>
-              <a:t>Python </a:t>
-            </a:r>
-            <a:r>
-              <a:rPr lang="en-US" dirty="0" smtClean="0"/>
-              <a:t>Background </a:t>
-            </a:r>
-            <a:r>
-              <a:rPr lang="en-US" dirty="0" smtClean="0"/>
-              <a:t>material</a:t>
+              <a:t>Python Background material</a:t>
             </a:r>
             <a:endParaRPr lang="en-US" dirty="0"/>
           </a:p>
@@ -4903,13 +4895,7 @@
               <a:rPr lang="en-US" sz="2400" dirty="0" smtClean="0">
                 <a:hlinkClick r:id="rId9"/>
               </a:rPr>
-              <a:t>Why Python is the Next Wave in Earth Sciences </a:t>
-            </a:r>
-            <a:r>
-              <a:rPr lang="en-US" sz="2400" dirty="0" smtClean="0">
-                <a:hlinkClick r:id="rId9"/>
-              </a:rPr>
-              <a:t>Computing</a:t>
+              <a:t>Why Python is the Next Wave in Earth Sciences Computing</a:t>
             </a:r>
             <a:endParaRPr lang="en-US" sz="2400" dirty="0" smtClean="0"/>
           </a:p>
@@ -5119,7 +5105,26 @@
           <a:p>
             <a:r>
               <a:rPr lang="en-US" dirty="0" smtClean="0"/>
-              <a:t>Lets Get Started - Today We Will …</a:t>
+              <a:t>Let’s </a:t>
+            </a:r>
+            <a:r>
+              <a:rPr lang="en-US" dirty="0" smtClean="0"/>
+              <a:t>Get </a:t>
+            </a:r>
+            <a:r>
+              <a:rPr lang="en-US" dirty="0" smtClean="0"/>
+              <a:t>Started</a:t>
+            </a:r>
+            <a:br>
+              <a:rPr lang="en-US" dirty="0" smtClean="0"/>
+            </a:br>
+            <a:r>
+              <a:rPr lang="en-US" dirty="0" smtClean="0"/>
+              <a:t>Today </a:t>
+            </a:r>
+            <a:r>
+              <a:rPr lang="en-US" dirty="0" smtClean="0"/>
+              <a:t>We Will …</a:t>
             </a:r>
             <a:endParaRPr lang="en-US" dirty="0"/>
           </a:p>
@@ -5137,8 +5142,8 @@
         </p:nvSpPr>
         <p:spPr>
           <a:xfrm>
-            <a:off x="457200" y="1600200"/>
-            <a:ext cx="8309610" cy="4525963"/>
+            <a:off x="457200" y="1851660"/>
+            <a:ext cx="8309610" cy="4274503"/>
           </a:xfrm>
         </p:spPr>
         <p:txBody>
@@ -6526,8 +6531,8 @@
         </p:blipFill>
         <p:spPr bwMode="auto">
           <a:xfrm>
-            <a:off x="5520690" y="2172373"/>
-            <a:ext cx="3611880" cy="4674197"/>
+            <a:off x="5589270" y="2261124"/>
+            <a:ext cx="3543300" cy="4585446"/>
           </a:xfrm>
           <a:prstGeom prst="rect">
             <a:avLst/>
@@ -6789,9 +6794,16 @@
             <a:endParaRPr lang="en-US" dirty="0" smtClean="0"/>
           </a:p>
           <a:p>
+            <a:endParaRPr lang="en-US" dirty="0" smtClean="0"/>
+          </a:p>
+          <a:p>
             <a:r>
               <a:rPr lang="en-US" dirty="0" smtClean="0"/>
-              <a:t>Requests from Unidata community for   Python support</a:t>
+              <a:t>Requests </a:t>
+            </a:r>
+            <a:r>
+              <a:rPr lang="en-US" dirty="0" smtClean="0"/>
+              <a:t>from Unidata community for   Python support</a:t>
             </a:r>
           </a:p>
         </p:txBody>
@@ -6805,7 +6817,7 @@
           <p:nvPr/>
         </p:nvGraphicFramePr>
         <p:xfrm>
-          <a:off x="1325880" y="3348988"/>
+          <a:off x="1360170" y="3566158"/>
           <a:ext cx="6720840" cy="1471932"/>
         </p:xfrm>
         <a:graphic>

--- a/Overview.pptx
+++ b/Overview.pptx
@@ -4664,7 +4664,7 @@
             </a:r>
             <a:r>
               <a:rPr lang="en-US" sz="2400" dirty="0" err="1" smtClean="0"/>
-              <a:t>Devlopement</a:t>
+              <a:t>Developement</a:t>
             </a:r>
             <a:r>
               <a:rPr lang="en-US" sz="2400" dirty="0" smtClean="0"/>
@@ -4678,6 +4678,7 @@
               <a:rPr lang="en-US" sz="2400" dirty="0" smtClean="0"/>
               <a:t>)</a:t>
             </a:r>
+            <a:endParaRPr lang="en-US" sz="2400" dirty="0" smtClean="0"/>
           </a:p>
           <a:p>
             <a:pPr lvl="1"/>
@@ -4793,8 +4794,8 @@
         </p:blipFill>
         <p:spPr bwMode="auto">
           <a:xfrm>
-            <a:off x="6286500" y="2977469"/>
-            <a:ext cx="2766060" cy="3629070"/>
+            <a:off x="6035040" y="2800441"/>
+            <a:ext cx="3040380" cy="3988978"/>
           </a:xfrm>
           <a:prstGeom prst="rect">
             <a:avLst/>
@@ -4814,8 +4815,8 @@
         </p:nvSpPr>
         <p:spPr>
           <a:xfrm>
-            <a:off x="388620" y="1600200"/>
-            <a:ext cx="6229350" cy="4525963"/>
+            <a:off x="297180" y="1577341"/>
+            <a:ext cx="6160770" cy="3909060"/>
           </a:xfrm>
         </p:spPr>
         <p:txBody>
@@ -4826,7 +4827,13 @@
               <a:rPr lang="en-US" sz="2400" dirty="0" smtClean="0">
                 <a:hlinkClick r:id="rId4"/>
               </a:rPr>
-              <a:t>Lectures on scientific computing with Python</a:t>
+              <a:t>A </a:t>
+            </a:r>
+            <a:r>
+              <a:rPr lang="en-US" sz="2400" dirty="0" smtClean="0">
+                <a:hlinkClick r:id="rId4"/>
+              </a:rPr>
+              <a:t>Hands-On Introduction to Using Python in the Atmospheric and Oceanic Sciences</a:t>
             </a:r>
             <a:endParaRPr lang="en-US" sz="2400" dirty="0" smtClean="0"/>
           </a:p>
@@ -4835,25 +4842,30 @@
               <a:rPr lang="en-US" sz="2400" dirty="0" smtClean="0">
                 <a:hlinkClick r:id="rId5"/>
               </a:rPr>
-              <a:t>A Hands-On Introduction to Using Python in the Atmospheric and Oceanic Sciences</a:t>
-            </a:r>
-            <a:endParaRPr lang="en-US" sz="2400" dirty="0" smtClean="0"/>
-          </a:p>
-          <a:p>
-            <a:r>
-              <a:rPr lang="en-US" sz="2400" dirty="0" smtClean="0">
-                <a:hlinkClick r:id="rId6"/>
-              </a:rPr>
-              <a:t>Enthought</a:t>
-            </a:r>
-            <a:endParaRPr lang="en-US" sz="2400" dirty="0" smtClean="0"/>
+              <a:t>Lectures on scientific computing with Python</a:t>
+            </a:r>
+            <a:endParaRPr lang="en-US" sz="2400" dirty="0" smtClean="0">
+              <a:hlinkClick r:id="rId6"/>
+            </a:endParaRPr>
           </a:p>
           <a:p>
             <a:r>
               <a:rPr lang="en-US" sz="2400" dirty="0" smtClean="0">
                 <a:hlinkClick r:id="rId7"/>
               </a:rPr>
-              <a:t>Python Scientific Lecture Notes</a:t>
+              <a:t>Why </a:t>
+            </a:r>
+            <a:r>
+              <a:rPr lang="en-US" sz="2400" dirty="0" smtClean="0">
+                <a:hlinkClick r:id="rId7"/>
+              </a:rPr>
+              <a:t>Python is the Next Wave in Earth Sciences </a:t>
+            </a:r>
+            <a:r>
+              <a:rPr lang="en-US" sz="2400" dirty="0" smtClean="0">
+                <a:hlinkClick r:id="rId7"/>
+              </a:rPr>
+              <a:t>Computing</a:t>
             </a:r>
             <a:endParaRPr lang="en-US" sz="2400" dirty="0" smtClean="0"/>
           </a:p>
@@ -4862,7 +4874,19 @@
               <a:rPr lang="en-US" sz="2400" dirty="0" smtClean="0">
                 <a:hlinkClick r:id="rId8"/>
               </a:rPr>
-              <a:t>Lightning Talk - Rich </a:t>
+              <a:t>Oceanographic </a:t>
+            </a:r>
+            <a:r>
+              <a:rPr lang="en-US" sz="2400" dirty="0" err="1" smtClean="0">
+                <a:hlinkClick r:id="rId8"/>
+              </a:rPr>
+              <a:t>Anaylsis</a:t>
+            </a:r>
+            <a:r>
+              <a:rPr lang="en-US" sz="2400" dirty="0" smtClean="0">
+                <a:hlinkClick r:id="rId8"/>
+              </a:rPr>
+              <a:t> with Python - Rich </a:t>
             </a:r>
             <a:r>
               <a:rPr lang="en-US" sz="2400" dirty="0" err="1" smtClean="0">
@@ -4870,33 +4894,41 @@
               </a:rPr>
               <a:t>Signell</a:t>
             </a:r>
+            <a:endParaRPr lang="en-US" sz="2400" dirty="0" smtClean="0"/>
+          </a:p>
+          <a:p>
             <a:r>
               <a:rPr lang="en-US" sz="2400" dirty="0" smtClean="0">
-                <a:hlinkClick r:id="rId8"/>
+                <a:hlinkClick r:id="rId6"/>
               </a:rPr>
-              <a:t> - Oceanographic </a:t>
-            </a:r>
+              <a:t>Python </a:t>
+            </a:r>
+            <a:r>
+              <a:rPr lang="en-US" sz="2400" dirty="0" smtClean="0">
+                <a:hlinkClick r:id="rId6"/>
+              </a:rPr>
+              <a:t>Scientific Lecture </a:t>
+            </a:r>
+            <a:r>
+              <a:rPr lang="en-US" sz="2400" dirty="0" smtClean="0">
+                <a:hlinkClick r:id="rId6"/>
+              </a:rPr>
+              <a:t>Notes</a:t>
+            </a:r>
+            <a:endParaRPr lang="en-US" sz="2400" dirty="0" smtClean="0">
+              <a:hlinkClick r:id="rId9"/>
+            </a:endParaRPr>
+          </a:p>
+          <a:p>
             <a:r>
               <a:rPr lang="en-US" sz="2400" dirty="0" err="1" smtClean="0">
-                <a:hlinkClick r:id="rId8"/>
-              </a:rPr>
-              <a:t>Anaylsis</a:t>
-            </a:r>
-            <a:r>
-              <a:rPr lang="en-US" sz="2400" dirty="0" smtClean="0">
-                <a:hlinkClick r:id="rId8"/>
-              </a:rPr>
-              <a:t> with Python</a:t>
-            </a:r>
-            <a:endParaRPr lang="en-US" sz="2400" dirty="0" smtClean="0"/>
-          </a:p>
-          <a:p>
-            <a:r>
-              <a:rPr lang="en-US" sz="2400" dirty="0" smtClean="0">
                 <a:hlinkClick r:id="rId9"/>
               </a:rPr>
-              <a:t>Why Python is the Next Wave in Earth Sciences Computing</a:t>
-            </a:r>
+              <a:t>Enthought</a:t>
+            </a:r>
+            <a:endParaRPr lang="en-US" sz="2400" dirty="0" smtClean="0"/>
+          </a:p>
+          <a:p>
             <a:endParaRPr lang="en-US" sz="2400" dirty="0" smtClean="0"/>
           </a:p>
         </p:txBody>
@@ -5105,26 +5137,14 @@
           <a:p>
             <a:r>
               <a:rPr lang="en-US" dirty="0" smtClean="0"/>
-              <a:t>Let’s </a:t>
-            </a:r>
-            <a:r>
-              <a:rPr lang="en-US" dirty="0" smtClean="0"/>
-              <a:t>Get </a:t>
-            </a:r>
-            <a:r>
-              <a:rPr lang="en-US" dirty="0" smtClean="0"/>
-              <a:t>Started</a:t>
+              <a:t>Let’s Get Started</a:t>
             </a:r>
             <a:br>
               <a:rPr lang="en-US" dirty="0" smtClean="0"/>
             </a:br>
             <a:r>
               <a:rPr lang="en-US" dirty="0" smtClean="0"/>
-              <a:t>Today </a:t>
-            </a:r>
-            <a:r>
-              <a:rPr lang="en-US" dirty="0" smtClean="0"/>
-              <a:t>We Will …</a:t>
+              <a:t>Today We Will …</a:t>
             </a:r>
             <a:endParaRPr lang="en-US" dirty="0"/>
           </a:p>
@@ -6416,81 +6436,9 @@
           <a:chExt cx="0" cy="0"/>
         </a:xfrm>
       </p:grpSpPr>
-      <p:sp>
-        <p:nvSpPr>
-          <p:cNvPr id="2" name="Title 1"/>
-          <p:cNvSpPr>
-            <a:spLocks noGrp="1"/>
-          </p:cNvSpPr>
-          <p:nvPr>
-            <p:ph type="title"/>
-          </p:nvPr>
-        </p:nvSpPr>
-        <p:spPr/>
-        <p:txBody>
-          <a:bodyPr/>
-          <a:lstStyle/>
-          <a:p>
-            <a:r>
-              <a:rPr lang="en-US" dirty="0" smtClean="0"/>
-              <a:t>netCDF</a:t>
-            </a:r>
-            <a:endParaRPr lang="en-US" dirty="0"/>
-          </a:p>
-        </p:txBody>
-      </p:sp>
-      <p:sp>
-        <p:nvSpPr>
-          <p:cNvPr id="3" name="Content Placeholder 2"/>
-          <p:cNvSpPr>
-            <a:spLocks noGrp="1"/>
-          </p:cNvSpPr>
-          <p:nvPr>
-            <p:ph sz="half" idx="1"/>
-          </p:nvPr>
-        </p:nvSpPr>
-        <p:spPr>
-          <a:xfrm>
-            <a:off x="434340" y="1564575"/>
-            <a:ext cx="6080760" cy="1831767"/>
-          </a:xfrm>
-        </p:spPr>
-        <p:txBody>
-          <a:bodyPr/>
-          <a:lstStyle/>
-          <a:p>
-            <a:r>
-              <a:rPr lang="en-US" sz="2400" dirty="0" smtClean="0"/>
-              <a:t>Array-oriented scientific data:</a:t>
-            </a:r>
-          </a:p>
-          <a:p>
-            <a:pPr lvl="1"/>
-            <a:r>
-              <a:rPr lang="en-US" sz="2000" dirty="0" smtClean="0"/>
-              <a:t>Interface for access (C, Fortran, Java, etc.)</a:t>
-            </a:r>
-          </a:p>
-          <a:p>
-            <a:pPr lvl="1"/>
-            <a:r>
-              <a:rPr lang="en-US" sz="2000" dirty="0" smtClean="0"/>
-              <a:t>Machine-independent encoding format</a:t>
-            </a:r>
-          </a:p>
-          <a:p>
-            <a:pPr lvl="1"/>
-            <a:r>
-              <a:rPr lang="en-US" sz="2000" dirty="0" smtClean="0"/>
-              <a:t>Reference libraries (C and Java)</a:t>
-            </a:r>
-            <a:endParaRPr lang="en-US" sz="2000" dirty="0"/>
-          </a:p>
-        </p:txBody>
-      </p:sp>
       <p:pic>
         <p:nvPicPr>
-          <p:cNvPr id="26626" name="Picture 2" descr="nc-classic-uml.png"/>
+          <p:cNvPr id="26628" name="Picture 4" descr="netcdf_architecture.png"/>
           <p:cNvPicPr>
             <a:picLocks noChangeAspect="1" noChangeArrowheads="1"/>
           </p:cNvPicPr>
@@ -6505,8 +6453,8 @@
         </p:blipFill>
         <p:spPr bwMode="auto">
           <a:xfrm>
-            <a:off x="694580" y="3691890"/>
-            <a:ext cx="4084634" cy="2813859"/>
+            <a:off x="5143500" y="1684245"/>
+            <a:ext cx="3989070" cy="5162325"/>
           </a:xfrm>
           <a:prstGeom prst="rect">
             <a:avLst/>
@@ -6514,9 +6462,81 @@
           <a:noFill/>
         </p:spPr>
       </p:pic>
+      <p:sp>
+        <p:nvSpPr>
+          <p:cNvPr id="2" name="Title 1"/>
+          <p:cNvSpPr>
+            <a:spLocks noGrp="1"/>
+          </p:cNvSpPr>
+          <p:nvPr>
+            <p:ph type="title"/>
+          </p:nvPr>
+        </p:nvSpPr>
+        <p:spPr/>
+        <p:txBody>
+          <a:bodyPr/>
+          <a:lstStyle/>
+          <a:p>
+            <a:r>
+              <a:rPr lang="en-US" dirty="0" smtClean="0"/>
+              <a:t>netCDF</a:t>
+            </a:r>
+            <a:endParaRPr lang="en-US" dirty="0"/>
+          </a:p>
+        </p:txBody>
+      </p:sp>
+      <p:sp>
+        <p:nvSpPr>
+          <p:cNvPr id="3" name="Content Placeholder 2"/>
+          <p:cNvSpPr>
+            <a:spLocks noGrp="1"/>
+          </p:cNvSpPr>
+          <p:nvPr>
+            <p:ph sz="half" idx="1"/>
+          </p:nvPr>
+        </p:nvSpPr>
+        <p:spPr>
+          <a:xfrm>
+            <a:off x="445770" y="1530285"/>
+            <a:ext cx="6080760" cy="1831767"/>
+          </a:xfrm>
+        </p:spPr>
+        <p:txBody>
+          <a:bodyPr/>
+          <a:lstStyle/>
+          <a:p>
+            <a:r>
+              <a:rPr lang="en-US" sz="2400" dirty="0" smtClean="0"/>
+              <a:t>Array-oriented scientific data:</a:t>
+            </a:r>
+          </a:p>
+          <a:p>
+            <a:pPr lvl="1"/>
+            <a:r>
+              <a:rPr lang="en-US" sz="2000" dirty="0" smtClean="0"/>
+              <a:t>Interface for access (C, Fortran, Java, etc.)</a:t>
+            </a:r>
+          </a:p>
+          <a:p>
+            <a:pPr lvl="1"/>
+            <a:r>
+              <a:rPr lang="en-US" sz="2000" dirty="0" smtClean="0"/>
+              <a:t>Machine-independent encoding format</a:t>
+            </a:r>
+          </a:p>
+          <a:p>
+            <a:pPr lvl="1"/>
+            <a:r>
+              <a:rPr lang="en-US" sz="2000" dirty="0" smtClean="0"/>
+              <a:t>Reference libraries (C and Java)</a:t>
+            </a:r>
+            <a:endParaRPr lang="en-US" sz="2000" dirty="0"/>
+          </a:p>
+        </p:txBody>
+      </p:sp>
       <p:pic>
         <p:nvPicPr>
-          <p:cNvPr id="26628" name="Picture 4" descr="netcdf_architecture.png"/>
+          <p:cNvPr id="26626" name="Picture 2" descr="nc-classic-uml.png"/>
           <p:cNvPicPr>
             <a:picLocks noChangeAspect="1" noChangeArrowheads="1"/>
           </p:cNvPicPr>
@@ -6531,8 +6551,8 @@
         </p:blipFill>
         <p:spPr bwMode="auto">
           <a:xfrm>
-            <a:off x="5589270" y="2261124"/>
-            <a:ext cx="3543300" cy="4585446"/>
+            <a:off x="470773" y="3406140"/>
+            <a:ext cx="4399881" cy="3031029"/>
           </a:xfrm>
           <a:prstGeom prst="rect">
             <a:avLst/>
@@ -6799,11 +6819,7 @@
           <a:p>
             <a:r>
               <a:rPr lang="en-US" dirty="0" smtClean="0"/>
-              <a:t>Requests </a:t>
-            </a:r>
-            <a:r>
-              <a:rPr lang="en-US" dirty="0" smtClean="0"/>
-              <a:t>from Unidata community for   Python support</a:t>
+              <a:t>Requests from Unidata community for   Python support</a:t>
             </a:r>
           </a:p>
         </p:txBody>
@@ -6817,8 +6833,8 @@
           <p:nvPr/>
         </p:nvGraphicFramePr>
         <p:xfrm>
-          <a:off x="1360170" y="3566158"/>
-          <a:ext cx="6720840" cy="1471932"/>
+          <a:off x="1245870" y="3348988"/>
+          <a:ext cx="6972300" cy="1920244"/>
         </p:xfrm>
         <a:graphic>
           <a:graphicData uri="http://schemas.openxmlformats.org/drawingml/2006/table">
@@ -6827,12 +6843,12 @@
                 <a:tableStyleId>{5C22544A-7EE6-4342-B048-85BDC9FD1C3A}</a:tableStyleId>
               </a:tblPr>
               <a:tblGrid>
-                <a:gridCol w="1680210"/>
-                <a:gridCol w="1680210"/>
-                <a:gridCol w="1680210"/>
-                <a:gridCol w="1680210"/>
+                <a:gridCol w="1743075"/>
+                <a:gridCol w="1743075"/>
+                <a:gridCol w="1743075"/>
+                <a:gridCol w="1743075"/>
               </a:tblGrid>
-              <a:tr h="367983">
+              <a:tr h="480061">
                 <a:tc>
                   <a:txBody>
                     <a:bodyPr/>
@@ -6890,7 +6906,7 @@
                   <a:tcPr/>
                 </a:tc>
               </a:tr>
-              <a:tr h="367983">
+              <a:tr h="480061">
                 <a:tc>
                   <a:txBody>
                     <a:bodyPr/>
@@ -6948,7 +6964,7 @@
                   <a:tcPr/>
                 </a:tc>
               </a:tr>
-              <a:tr h="367983">
+              <a:tr h="480061">
                 <a:tc>
                   <a:txBody>
                     <a:bodyPr/>
@@ -7006,7 +7022,7 @@
                   <a:tcPr/>
                 </a:tc>
               </a:tr>
-              <a:tr h="367983">
+              <a:tr h="480061">
                 <a:tc>
                   <a:txBody>
                     <a:bodyPr/>

--- a/Overview.pptx
+++ b/Overview.pptx
@@ -258,7 +258,7 @@
             <a:fld id="{D0858862-58BF-44B0-8200-136196B2F4C7}" type="datetimeFigureOut">
               <a:rPr lang="en-US"/>
               <a:pPr/>
-              <a:t>7/23/2013</a:t>
+              <a:t>9/29/2014</a:t>
             </a:fld>
             <a:endParaRPr lang="en-US"/>
           </a:p>
@@ -900,7 +900,7 @@
             <a:fld id="{F30AFB2F-5EF3-4CAB-B2FE-BA0A39E220C6}" type="datetimeFigureOut">
               <a:rPr lang="en-US"/>
               <a:pPr/>
-              <a:t>7/23/2013</a:t>
+              <a:t>9/29/2014</a:t>
             </a:fld>
             <a:endParaRPr lang="en-US"/>
           </a:p>
@@ -1082,7 +1082,7 @@
             <a:fld id="{778D11B3-B33D-4421-B117-CBEAEEDF3B56}" type="datetimeFigureOut">
               <a:rPr lang="en-US"/>
               <a:pPr/>
-              <a:t>7/23/2013</a:t>
+              <a:t>9/29/2014</a:t>
             </a:fld>
             <a:endParaRPr lang="en-US"/>
           </a:p>
@@ -1274,7 +1274,7 @@
             <a:fld id="{E546F523-601C-4AE6-94D0-B6E0B6B185B6}" type="datetimeFigureOut">
               <a:rPr lang="en-US"/>
               <a:pPr/>
-              <a:t>7/23/2013</a:t>
+              <a:t>9/29/2014</a:t>
             </a:fld>
             <a:endParaRPr lang="en-US"/>
           </a:p>
@@ -1456,7 +1456,7 @@
             <a:fld id="{2755933F-A7CD-46E1-AE74-F4B25B8A5888}" type="datetimeFigureOut">
               <a:rPr lang="en-US"/>
               <a:pPr/>
-              <a:t>7/23/2013</a:t>
+              <a:t>9/29/2014</a:t>
             </a:fld>
             <a:endParaRPr lang="en-US"/>
           </a:p>
@@ -1714,7 +1714,7 @@
             <a:fld id="{E2DD70BF-DD26-4542-8867-0654A849CEFE}" type="datetimeFigureOut">
               <a:rPr lang="en-US"/>
               <a:pPr/>
-              <a:t>7/23/2013</a:t>
+              <a:t>9/29/2014</a:t>
             </a:fld>
             <a:endParaRPr lang="en-US"/>
           </a:p>
@@ -2014,7 +2014,7 @@
             <a:fld id="{80E5E274-32FD-4A30-AF3B-64174B6C2069}" type="datetimeFigureOut">
               <a:rPr lang="en-US"/>
               <a:pPr/>
-              <a:t>7/23/2013</a:t>
+              <a:t>9/29/2014</a:t>
             </a:fld>
             <a:endParaRPr lang="en-US"/>
           </a:p>
@@ -2448,7 +2448,7 @@
             <a:fld id="{02E83F24-3119-487E-BFBC-C70771716A50}" type="datetimeFigureOut">
               <a:rPr lang="en-US"/>
               <a:pPr/>
-              <a:t>7/23/2013</a:t>
+              <a:t>9/29/2014</a:t>
             </a:fld>
             <a:endParaRPr lang="en-US"/>
           </a:p>
@@ -2578,7 +2578,7 @@
             <a:fld id="{68DD7F26-701B-47E4-A59A-055252B49D89}" type="datetimeFigureOut">
               <a:rPr lang="en-US"/>
               <a:pPr/>
-              <a:t>7/23/2013</a:t>
+              <a:t>9/29/2014</a:t>
             </a:fld>
             <a:endParaRPr lang="en-US"/>
           </a:p>
@@ -2685,7 +2685,7 @@
             <a:fld id="{CACE95DC-D4F0-4723-9A98-48338ADC933B}" type="datetimeFigureOut">
               <a:rPr lang="en-US"/>
               <a:pPr/>
-              <a:t>7/23/2013</a:t>
+              <a:t>9/29/2014</a:t>
             </a:fld>
             <a:endParaRPr lang="en-US"/>
           </a:p>
@@ -2974,7 +2974,7 @@
             <a:fld id="{E253DCD9-B885-4B2F-841C-5BE81A85EC36}" type="datetimeFigureOut">
               <a:rPr lang="en-US"/>
               <a:pPr/>
-              <a:t>7/23/2013</a:t>
+              <a:t>9/29/2014</a:t>
             </a:fld>
             <a:endParaRPr lang="en-US"/>
           </a:p>
@@ -3242,7 +3242,7 @@
             <a:fld id="{292D2DE9-A858-4AF6-BFB6-E7BE7517C326}" type="datetimeFigureOut">
               <a:rPr lang="en-US"/>
               <a:pPr/>
-              <a:t>7/23/2013</a:t>
+              <a:t>9/29/2014</a:t>
             </a:fld>
             <a:endParaRPr lang="en-US"/>
           </a:p>
@@ -3484,7 +3484,7 @@
             <a:fld id="{28771537-7EF8-4AE1-AA34-66E7A6D640CE}" type="datetimeFigureOut">
               <a:rPr lang="en-US"/>
               <a:pPr/>
-              <a:t>7/23/2013</a:t>
+              <a:t>9/29/2014</a:t>
             </a:fld>
             <a:endParaRPr lang="en-US"/>
           </a:p>
@@ -4077,7 +4077,25 @@
                 </a:solidFill>
                 <a:ea typeface="ＭＳ Ｐゴシック" pitchFamily="34" charset="-128"/>
               </a:rPr>
-              <a:t> TDS Python Workshop</a:t>
+              <a:t> </a:t>
+            </a:r>
+            <a:r>
+              <a:rPr lang="en-US" altLang="ja-JP" sz="3200" dirty="0" smtClean="0">
+                <a:solidFill>
+                  <a:srgbClr val="7F7F7F"/>
+                </a:solidFill>
+                <a:ea typeface="ＭＳ Ｐゴシック" pitchFamily="34" charset="-128"/>
+              </a:rPr>
+              <a:t>Python </a:t>
+            </a:r>
+            <a:r>
+              <a:rPr lang="en-US" altLang="ja-JP" sz="3200" dirty="0" smtClean="0">
+                <a:solidFill>
+                  <a:srgbClr val="7F7F7F"/>
+                </a:solidFill>
+                <a:ea typeface="ＭＳ Ｐゴシック" pitchFamily="34" charset="-128"/>
+              </a:rPr>
+              <a:t>Workshop</a:t>
             </a:r>
             <a:br>
               <a:rPr lang="en-US" altLang="ja-JP" sz="3200" dirty="0" smtClean="0">
@@ -4180,7 +4198,7 @@
                 <a:ea typeface="+mn-ea"/>
                 <a:cs typeface="+mn-cs"/>
               </a:rPr>
-              <a:t>24 July 2013</a:t>
+              <a:t>21 October 2014</a:t>
             </a:r>
             <a:endParaRPr lang="en-US" dirty="0">
               <a:ea typeface="+mn-ea"/>
@@ -4678,7 +4696,6 @@
               <a:rPr lang="en-US" sz="2400" dirty="0" smtClean="0"/>
               <a:t>)</a:t>
             </a:r>
-            <a:endParaRPr lang="en-US" sz="2400" dirty="0" smtClean="0"/>
           </a:p>
           <a:p>
             <a:pPr lvl="1"/>
@@ -4827,13 +4844,7 @@
               <a:rPr lang="en-US" sz="2400" dirty="0" smtClean="0">
                 <a:hlinkClick r:id="rId4"/>
               </a:rPr>
-              <a:t>A </a:t>
-            </a:r>
-            <a:r>
-              <a:rPr lang="en-US" sz="2400" dirty="0" smtClean="0">
-                <a:hlinkClick r:id="rId4"/>
-              </a:rPr>
-              <a:t>Hands-On Introduction to Using Python in the Atmospheric and Oceanic Sciences</a:t>
+              <a:t>A Hands-On Introduction to Using Python in the Atmospheric and Oceanic Sciences</a:t>
             </a:r>
             <a:endParaRPr lang="en-US" sz="2400" dirty="0" smtClean="0"/>
           </a:p>
@@ -4853,19 +4864,7 @@
               <a:rPr lang="en-US" sz="2400" dirty="0" smtClean="0">
                 <a:hlinkClick r:id="rId7"/>
               </a:rPr>
-              <a:t>Why </a:t>
-            </a:r>
-            <a:r>
-              <a:rPr lang="en-US" sz="2400" dirty="0" smtClean="0">
-                <a:hlinkClick r:id="rId7"/>
-              </a:rPr>
-              <a:t>Python is the Next Wave in Earth Sciences </a:t>
-            </a:r>
-            <a:r>
-              <a:rPr lang="en-US" sz="2400" dirty="0" smtClean="0">
-                <a:hlinkClick r:id="rId7"/>
-              </a:rPr>
-              <a:t>Computing</a:t>
+              <a:t>Why Python is the Next Wave in Earth Sciences Computing</a:t>
             </a:r>
             <a:endParaRPr lang="en-US" sz="2400" dirty="0" smtClean="0"/>
           </a:p>
@@ -4901,19 +4900,7 @@
               <a:rPr lang="en-US" sz="2400" dirty="0" smtClean="0">
                 <a:hlinkClick r:id="rId6"/>
               </a:rPr>
-              <a:t>Python </a:t>
-            </a:r>
-            <a:r>
-              <a:rPr lang="en-US" sz="2400" dirty="0" smtClean="0">
-                <a:hlinkClick r:id="rId6"/>
-              </a:rPr>
-              <a:t>Scientific Lecture </a:t>
-            </a:r>
-            <a:r>
-              <a:rPr lang="en-US" sz="2400" dirty="0" smtClean="0">
-                <a:hlinkClick r:id="rId6"/>
-              </a:rPr>
-              <a:t>Notes</a:t>
+              <a:t>Python Scientific Lecture Notes</a:t>
             </a:r>
             <a:endParaRPr lang="en-US" sz="2400" dirty="0" smtClean="0">
               <a:hlinkClick r:id="rId9"/>

--- a/Overview.pptx
+++ b/Overview.pptx
@@ -153,6 +153,254 @@
     </a:lvl9pPr>
   </p:defaultTextStyle>
 </p:presentation>
+</file>
+
+<file path=ppt/charts/chart1.xml><?xml version="1.0" encoding="utf-8"?>
+<c:chartSpace xmlns:c="http://schemas.openxmlformats.org/drawingml/2006/chart" xmlns:a="http://schemas.openxmlformats.org/drawingml/2006/main" xmlns:r="http://schemas.openxmlformats.org/officeDocument/2006/relationships">
+  <c:lang val="en-US"/>
+  <c:chart>
+    <c:plotArea>
+      <c:layout/>
+      <c:lineChart>
+        <c:grouping val="standard"/>
+        <c:ser>
+          <c:idx val="0"/>
+          <c:order val="0"/>
+          <c:tx>
+            <c:strRef>
+              <c:f>Sheet1!$B$7</c:f>
+              <c:strCache>
+                <c:ptCount val="1"/>
+                <c:pt idx="0">
+                  <c:v>Python</c:v>
+                </c:pt>
+              </c:strCache>
+            </c:strRef>
+          </c:tx>
+          <c:marker>
+            <c:symbol val="none"/>
+          </c:marker>
+          <c:cat>
+            <c:numRef>
+              <c:f>Sheet1!$A$8:$A$12</c:f>
+              <c:numCache>
+                <c:formatCode>General</c:formatCode>
+                <c:ptCount val="5"/>
+                <c:pt idx="0">
+                  <c:v>2010</c:v>
+                </c:pt>
+                <c:pt idx="1">
+                  <c:v>2011</c:v>
+                </c:pt>
+                <c:pt idx="2">
+                  <c:v>2012</c:v>
+                </c:pt>
+                <c:pt idx="3">
+                  <c:v>2013</c:v>
+                </c:pt>
+                <c:pt idx="4">
+                  <c:v>2014</c:v>
+                </c:pt>
+              </c:numCache>
+            </c:numRef>
+          </c:cat>
+          <c:val>
+            <c:numRef>
+              <c:f>Sheet1!$B$8:$B$12</c:f>
+              <c:numCache>
+                <c:formatCode>General</c:formatCode>
+                <c:ptCount val="5"/>
+                <c:pt idx="0">
+                  <c:v>2</c:v>
+                </c:pt>
+                <c:pt idx="1">
+                  <c:v>19</c:v>
+                </c:pt>
+                <c:pt idx="2">
+                  <c:v>57</c:v>
+                </c:pt>
+                <c:pt idx="3">
+                  <c:v>60</c:v>
+                </c:pt>
+                <c:pt idx="4">
+                  <c:v>60</c:v>
+                </c:pt>
+              </c:numCache>
+            </c:numRef>
+          </c:val>
+        </c:ser>
+        <c:ser>
+          <c:idx val="1"/>
+          <c:order val="1"/>
+          <c:tx>
+            <c:strRef>
+              <c:f>Sheet1!$C$7</c:f>
+              <c:strCache>
+                <c:ptCount val="1"/>
+                <c:pt idx="0">
+                  <c:v>Java</c:v>
+                </c:pt>
+              </c:strCache>
+            </c:strRef>
+          </c:tx>
+          <c:marker>
+            <c:symbol val="none"/>
+          </c:marker>
+          <c:cat>
+            <c:numRef>
+              <c:f>Sheet1!$A$8:$A$12</c:f>
+              <c:numCache>
+                <c:formatCode>General</c:formatCode>
+                <c:ptCount val="5"/>
+                <c:pt idx="0">
+                  <c:v>2010</c:v>
+                </c:pt>
+                <c:pt idx="1">
+                  <c:v>2011</c:v>
+                </c:pt>
+                <c:pt idx="2">
+                  <c:v>2012</c:v>
+                </c:pt>
+                <c:pt idx="3">
+                  <c:v>2013</c:v>
+                </c:pt>
+                <c:pt idx="4">
+                  <c:v>2014</c:v>
+                </c:pt>
+              </c:numCache>
+            </c:numRef>
+          </c:cat>
+          <c:val>
+            <c:numRef>
+              <c:f>Sheet1!$C$8:$C$12</c:f>
+              <c:numCache>
+                <c:formatCode>General</c:formatCode>
+                <c:ptCount val="5"/>
+                <c:pt idx="0">
+                  <c:v>7</c:v>
+                </c:pt>
+                <c:pt idx="1">
+                  <c:v>2</c:v>
+                </c:pt>
+                <c:pt idx="2">
+                  <c:v>9</c:v>
+                </c:pt>
+                <c:pt idx="3">
+                  <c:v>12</c:v>
+                </c:pt>
+                <c:pt idx="4">
+                  <c:v>7</c:v>
+                </c:pt>
+              </c:numCache>
+            </c:numRef>
+          </c:val>
+        </c:ser>
+        <c:ser>
+          <c:idx val="2"/>
+          <c:order val="2"/>
+          <c:tx>
+            <c:strRef>
+              <c:f>Sheet1!$D$7</c:f>
+              <c:strCache>
+                <c:ptCount val="1"/>
+                <c:pt idx="0">
+                  <c:v>Fortran</c:v>
+                </c:pt>
+              </c:strCache>
+            </c:strRef>
+          </c:tx>
+          <c:marker>
+            <c:symbol val="none"/>
+          </c:marker>
+          <c:cat>
+            <c:numRef>
+              <c:f>Sheet1!$A$8:$A$12</c:f>
+              <c:numCache>
+                <c:formatCode>General</c:formatCode>
+                <c:ptCount val="5"/>
+                <c:pt idx="0">
+                  <c:v>2010</c:v>
+                </c:pt>
+                <c:pt idx="1">
+                  <c:v>2011</c:v>
+                </c:pt>
+                <c:pt idx="2">
+                  <c:v>2012</c:v>
+                </c:pt>
+                <c:pt idx="3">
+                  <c:v>2013</c:v>
+                </c:pt>
+                <c:pt idx="4">
+                  <c:v>2014</c:v>
+                </c:pt>
+              </c:numCache>
+            </c:numRef>
+          </c:cat>
+          <c:val>
+            <c:numRef>
+              <c:f>Sheet1!$D$8:$D$12</c:f>
+              <c:numCache>
+                <c:formatCode>General</c:formatCode>
+                <c:ptCount val="5"/>
+                <c:pt idx="0">
+                  <c:v>2</c:v>
+                </c:pt>
+                <c:pt idx="1">
+                  <c:v>4</c:v>
+                </c:pt>
+                <c:pt idx="2">
+                  <c:v>2</c:v>
+                </c:pt>
+                <c:pt idx="3">
+                  <c:v>9</c:v>
+                </c:pt>
+                <c:pt idx="4">
+                  <c:v>5</c:v>
+                </c:pt>
+              </c:numCache>
+            </c:numRef>
+          </c:val>
+        </c:ser>
+        <c:marker val="1"/>
+        <c:axId val="86780928"/>
+        <c:axId val="86783104"/>
+      </c:lineChart>
+      <c:catAx>
+        <c:axId val="86780928"/>
+        <c:scaling>
+          <c:orientation val="minMax"/>
+        </c:scaling>
+        <c:axPos val="b"/>
+        <c:numFmt formatCode="General" sourceLinked="1"/>
+        <c:tickLblPos val="nextTo"/>
+        <c:crossAx val="86783104"/>
+        <c:crosses val="autoZero"/>
+        <c:auto val="1"/>
+        <c:lblAlgn val="ctr"/>
+        <c:lblOffset val="100"/>
+      </c:catAx>
+      <c:valAx>
+        <c:axId val="86783104"/>
+        <c:scaling>
+          <c:orientation val="minMax"/>
+        </c:scaling>
+        <c:axPos val="l"/>
+        <c:majorGridlines/>
+        <c:numFmt formatCode="General" sourceLinked="1"/>
+        <c:tickLblPos val="nextTo"/>
+        <c:crossAx val="86780928"/>
+        <c:crosses val="autoZero"/>
+        <c:crossBetween val="between"/>
+      </c:valAx>
+    </c:plotArea>
+    <c:legend>
+      <c:legendPos val="r"/>
+      <c:layout/>
+    </c:legend>
+    <c:plotVisOnly val="1"/>
+  </c:chart>
+  <c:externalData r:id="rId1"/>
+</c:chartSpace>
 </file>
 
 <file path=ppt/notesMasters/notesMaster1.xml><?xml version="1.0" encoding="utf-8"?>
@@ -4077,25 +4325,7 @@
                 </a:solidFill>
                 <a:ea typeface="ＭＳ Ｐゴシック" pitchFamily="34" charset="-128"/>
               </a:rPr>
-              <a:t> </a:t>
-            </a:r>
-            <a:r>
-              <a:rPr lang="en-US" altLang="ja-JP" sz="3200" dirty="0" smtClean="0">
-                <a:solidFill>
-                  <a:srgbClr val="7F7F7F"/>
-                </a:solidFill>
-                <a:ea typeface="ＭＳ Ｐゴシック" pitchFamily="34" charset="-128"/>
-              </a:rPr>
-              <a:t>Python </a:t>
-            </a:r>
-            <a:r>
-              <a:rPr lang="en-US" altLang="ja-JP" sz="3200" dirty="0" smtClean="0">
-                <a:solidFill>
-                  <a:srgbClr val="7F7F7F"/>
-                </a:solidFill>
-                <a:ea typeface="ＭＳ Ｐゴシック" pitchFamily="34" charset="-128"/>
-              </a:rPr>
-              <a:t>Workshop</a:t>
+              <a:t> Python Workshop</a:t>
             </a:r>
             <a:br>
               <a:rPr lang="en-US" altLang="ja-JP" sz="3200" dirty="0" smtClean="0">
@@ -4373,6 +4603,13 @@
   <p:clrMapOvr>
     <a:masterClrMapping/>
   </p:clrMapOvr>
+  <p:timing>
+    <p:tnLst>
+      <p:par>
+        <p:cTn id="1" dur="indefinite" restart="never" nodeType="tmRoot"/>
+      </p:par>
+    </p:tnLst>
+  </p:timing>
 </p:sld>
 </file>
 
@@ -4491,6 +4728,13 @@
   <p:clrMapOvr>
     <a:masterClrMapping/>
   </p:clrMapOvr>
+  <p:timing>
+    <p:tnLst>
+      <p:par>
+        <p:cTn id="1" dur="indefinite" restart="never" nodeType="tmRoot"/>
+      </p:par>
+    </p:tnLst>
+  </p:timing>
 </p:sld>
 </file>
 
@@ -4582,6 +4826,13 @@
   <p:clrMapOvr>
     <a:masterClrMapping/>
   </p:clrMapOvr>
+  <p:timing>
+    <p:tnLst>
+      <p:par>
+        <p:cTn id="1" dur="indefinite" restart="never" nodeType="tmRoot"/>
+      </p:par>
+    </p:tnLst>
+  </p:timing>
 </p:sld>
 </file>
 
@@ -4749,6 +5000,13 @@
   <p:clrMapOvr>
     <a:masterClrMapping/>
   </p:clrMapOvr>
+  <p:timing>
+    <p:tnLst>
+      <p:par>
+        <p:cTn id="1" dur="indefinite" restart="never" nodeType="tmRoot"/>
+      </p:par>
+    </p:tnLst>
+  </p:timing>
 </p:sld>
 </file>
 
@@ -4925,6 +5183,13 @@
   <p:clrMapOvr>
     <a:masterClrMapping/>
   </p:clrMapOvr>
+  <p:timing>
+    <p:tnLst>
+      <p:par>
+        <p:cTn id="1" dur="indefinite" restart="never" nodeType="tmRoot"/>
+      </p:par>
+    </p:tnLst>
+  </p:timing>
 </p:sld>
 </file>
 
@@ -5087,6 +5352,13 @@
   <p:clrMapOvr>
     <a:masterClrMapping/>
   </p:clrMapOvr>
+  <p:timing>
+    <p:tnLst>
+      <p:par>
+        <p:cTn id="1" dur="indefinite" restart="never" nodeType="tmRoot"/>
+      </p:par>
+    </p:tnLst>
+  </p:timing>
 </p:sld>
 </file>
 
@@ -5221,6 +5493,13 @@
   <p:clrMapOvr>
     <a:masterClrMapping/>
   </p:clrMapOvr>
+  <p:timing>
+    <p:tnLst>
+      <p:par>
+        <p:cTn id="1" dur="indefinite" restart="never" nodeType="tmRoot"/>
+      </p:par>
+    </p:tnLst>
+  </p:timing>
 </p:sld>
 </file>
 
@@ -5718,6 +5997,13 @@
   <p:clrMapOvr>
     <a:masterClrMapping/>
   </p:clrMapOvr>
+  <p:timing>
+    <p:tnLst>
+      <p:par>
+        <p:cTn id="1" dur="indefinite" restart="never" nodeType="tmRoot"/>
+      </p:par>
+    </p:tnLst>
+  </p:timing>
 </p:sld>
 </file>
 
@@ -5906,6 +6192,13 @@
   <p:clrMapOvr>
     <a:masterClrMapping/>
   </p:clrMapOvr>
+  <p:timing>
+    <p:tnLst>
+      <p:par>
+        <p:cTn id="1" dur="indefinite" restart="never" nodeType="tmRoot"/>
+      </p:par>
+    </p:tnLst>
+  </p:timing>
 </p:sld>
 </file>
 
@@ -6403,6 +6696,13 @@
   <p:clrMapOvr>
     <a:masterClrMapping/>
   </p:clrMapOvr>
+  <p:timing>
+    <p:tnLst>
+      <p:par>
+        <p:cTn id="1" dur="indefinite" restart="never" nodeType="tmRoot"/>
+      </p:par>
+    </p:tnLst>
+  </p:timing>
 </p:sld>
 </file>
 
@@ -6552,6 +6852,13 @@
   <p:clrMapOvr>
     <a:masterClrMapping/>
   </p:clrMapOvr>
+  <p:timing>
+    <p:tnLst>
+      <p:par>
+        <p:cTn id="1" dur="indefinite" restart="never" nodeType="tmRoot"/>
+      </p:par>
+    </p:tnLst>
+  </p:timing>
 </p:sld>
 </file>
 
@@ -6820,8 +7127,8 @@
           <p:nvPr/>
         </p:nvGraphicFramePr>
         <p:xfrm>
-          <a:off x="1245870" y="3348988"/>
-          <a:ext cx="6972300" cy="1920244"/>
+          <a:off x="2022619" y="6858000"/>
+          <a:ext cx="6972300" cy="2880366"/>
         </p:xfrm>
         <a:graphic>
           <a:graphicData uri="http://schemas.openxmlformats.org/drawingml/2006/table">
@@ -6886,6 +7193,64 @@
                       <a:r>
                         <a:rPr lang="en-US" dirty="0" smtClean="0"/>
                         <a:t>Fortran</a:t>
+                      </a:r>
+                      <a:endParaRPr lang="en-US" dirty="0"/>
+                    </a:p>
+                  </a:txBody>
+                  <a:tcPr/>
+                </a:tc>
+              </a:tr>
+              <a:tr h="480061">
+                <a:tc>
+                  <a:txBody>
+                    <a:bodyPr/>
+                    <a:lstStyle/>
+                    <a:p>
+                      <a:r>
+                        <a:rPr lang="en-US" dirty="0" smtClean="0"/>
+                        <a:t>2010</a:t>
+                      </a:r>
+                      <a:endParaRPr lang="en-US" dirty="0"/>
+                    </a:p>
+                  </a:txBody>
+                  <a:tcPr/>
+                </a:tc>
+                <a:tc>
+                  <a:txBody>
+                    <a:bodyPr/>
+                    <a:lstStyle/>
+                    <a:p>
+                      <a:r>
+                        <a:rPr lang="en-US" dirty="0" smtClean="0"/>
+                        <a:t>2</a:t>
+                      </a:r>
+                      <a:endParaRPr lang="en-US" dirty="0"/>
+                    </a:p>
+                  </a:txBody>
+                  <a:tcPr/>
+                </a:tc>
+                <a:tc>
+                  <a:txBody>
+                    <a:bodyPr/>
+                    <a:lstStyle/>
+                    <a:p>
+                      <a:r>
+                        <a:rPr lang="en-US" dirty="0" smtClean="0"/>
+                        <a:t>7</a:t>
+                      </a:r>
+                      <a:endParaRPr lang="en-US" dirty="0"/>
+                    </a:p>
+                  </a:txBody>
+                  <a:tcPr/>
+                </a:tc>
+                <a:tc>
+                  <a:txBody>
+                    <a:bodyPr/>
+                    <a:lstStyle/>
+                    <a:p>
+                      <a:r>
+                        <a:rPr lang="en-US" dirty="0" smtClean="0"/>
+                        <a:t>2</a:t>
                       </a:r>
                       <a:endParaRPr lang="en-US" dirty="0"/>
                     </a:p>
@@ -7067,7 +7432,81 @@
                   <a:tcPr/>
                 </a:tc>
               </a:tr>
+              <a:tr h="480061">
+                <a:tc>
+                  <a:txBody>
+                    <a:bodyPr/>
+                    <a:lstStyle/>
+                    <a:p>
+                      <a:r>
+                        <a:rPr lang="en-US" dirty="0" smtClean="0"/>
+                        <a:t>2014</a:t>
+                      </a:r>
+                      <a:endParaRPr lang="en-US" dirty="0"/>
+                    </a:p>
+                  </a:txBody>
+                  <a:tcPr/>
+                </a:tc>
+                <a:tc>
+                  <a:txBody>
+                    <a:bodyPr/>
+                    <a:lstStyle/>
+                    <a:p>
+                      <a:r>
+                        <a:rPr lang="en-US" dirty="0" smtClean="0"/>
+                        <a:t>60</a:t>
+                      </a:r>
+                      <a:endParaRPr lang="en-US" dirty="0"/>
+                    </a:p>
+                  </a:txBody>
+                  <a:tcPr/>
+                </a:tc>
+                <a:tc>
+                  <a:txBody>
+                    <a:bodyPr/>
+                    <a:lstStyle/>
+                    <a:p>
+                      <a:r>
+                        <a:rPr lang="en-US" dirty="0" smtClean="0"/>
+                        <a:t>7</a:t>
+                      </a:r>
+                      <a:endParaRPr lang="en-US" dirty="0"/>
+                    </a:p>
+                  </a:txBody>
+                  <a:tcPr/>
+                </a:tc>
+                <a:tc>
+                  <a:txBody>
+                    <a:bodyPr/>
+                    <a:lstStyle/>
+                    <a:p>
+                      <a:r>
+                        <a:rPr lang="en-US" dirty="0" smtClean="0"/>
+                        <a:t>5</a:t>
+                      </a:r>
+                      <a:endParaRPr lang="en-US" dirty="0"/>
+                    </a:p>
+                  </a:txBody>
+                  <a:tcPr/>
+                </a:tc>
+              </a:tr>
             </a:tbl>
+          </a:graphicData>
+        </a:graphic>
+      </p:graphicFrame>
+      <p:graphicFrame>
+        <p:nvGraphicFramePr>
+          <p:cNvPr id="8" name="Chart 7"/>
+          <p:cNvGraphicFramePr/>
+          <p:nvPr/>
+        </p:nvGraphicFramePr>
+        <p:xfrm>
+          <a:off x="1616791" y="3114676"/>
+          <a:ext cx="5753099" cy="2457449"/>
+        </p:xfrm>
+        <a:graphic>
+          <a:graphicData uri="http://schemas.openxmlformats.org/drawingml/2006/chart">
+            <c:chart xmlns:c="http://schemas.openxmlformats.org/drawingml/2006/chart" xmlns:r="http://schemas.openxmlformats.org/officeDocument/2006/relationships" r:id="rId3"/>
           </a:graphicData>
         </a:graphic>
       </p:graphicFrame>
@@ -7076,6 +7515,13 @@
   <p:clrMapOvr>
     <a:masterClrMapping/>
   </p:clrMapOvr>
+  <p:timing>
+    <p:tnLst>
+      <p:par>
+        <p:cTn id="1" dur="indefinite" restart="never" nodeType="tmRoot"/>
+      </p:par>
+    </p:tnLst>
+  </p:timing>
 </p:sld>
 </file>
 

--- a/Overview.pptx
+++ b/Overview.pptx
@@ -5,7 +5,7 @@
     <p:sldMasterId id="2147483648" r:id="rId1"/>
   </p:sldMasterIdLst>
   <p:notesMasterIdLst>
-    <p:notesMasterId r:id="rId18"/>
+    <p:notesMasterId r:id="rId17"/>
   </p:notesMasterIdLst>
   <p:sldIdLst>
     <p:sldId id="256" r:id="rId2"/>
@@ -19,11 +19,10 @@
     <p:sldId id="335" r:id="rId10"/>
     <p:sldId id="327" r:id="rId11"/>
     <p:sldId id="330" r:id="rId12"/>
-    <p:sldId id="336" r:id="rId13"/>
-    <p:sldId id="337" r:id="rId14"/>
-    <p:sldId id="342" r:id="rId15"/>
-    <p:sldId id="343" r:id="rId16"/>
-    <p:sldId id="340" r:id="rId17"/>
+    <p:sldId id="337" r:id="rId13"/>
+    <p:sldId id="342" r:id="rId14"/>
+    <p:sldId id="343" r:id="rId15"/>
+    <p:sldId id="340" r:id="rId16"/>
   </p:sldIdLst>
   <p:sldSz cx="9144000" cy="6858000" type="screen4x3"/>
   <p:notesSz cx="6858000" cy="9144000"/>
@@ -362,25 +361,25 @@
           </c:val>
         </c:ser>
         <c:marker val="1"/>
-        <c:axId val="86780928"/>
-        <c:axId val="86783104"/>
+        <c:axId val="82666240"/>
+        <c:axId val="82667776"/>
       </c:lineChart>
       <c:catAx>
-        <c:axId val="86780928"/>
+        <c:axId val="82666240"/>
         <c:scaling>
           <c:orientation val="minMax"/>
         </c:scaling>
         <c:axPos val="b"/>
         <c:numFmt formatCode="General" sourceLinked="1"/>
         <c:tickLblPos val="nextTo"/>
-        <c:crossAx val="86783104"/>
+        <c:crossAx val="82667776"/>
         <c:crosses val="autoZero"/>
         <c:auto val="1"/>
         <c:lblAlgn val="ctr"/>
         <c:lblOffset val="100"/>
       </c:catAx>
       <c:valAx>
-        <c:axId val="86783104"/>
+        <c:axId val="82667776"/>
         <c:scaling>
           <c:orientation val="minMax"/>
         </c:scaling>
@@ -388,7 +387,7 @@
         <c:majorGridlines/>
         <c:numFmt formatCode="General" sourceLinked="1"/>
         <c:tickLblPos val="nextTo"/>
-        <c:crossAx val="86780928"/>
+        <c:crossAx val="82666240"/>
         <c:crosses val="autoZero"/>
         <c:crossBetween val="between"/>
       </c:valAx>
@@ -506,7 +505,7 @@
             <a:fld id="{D0858862-58BF-44B0-8200-136196B2F4C7}" type="datetimeFigureOut">
               <a:rPr lang="en-US"/>
               <a:pPr/>
-              <a:t>9/29/2014</a:t>
+              <a:t>10/2/2014</a:t>
             </a:fld>
             <a:endParaRPr lang="en-US"/>
           </a:p>
@@ -1148,7 +1147,7 @@
             <a:fld id="{F30AFB2F-5EF3-4CAB-B2FE-BA0A39E220C6}" type="datetimeFigureOut">
               <a:rPr lang="en-US"/>
               <a:pPr/>
-              <a:t>9/29/2014</a:t>
+              <a:t>10/2/2014</a:t>
             </a:fld>
             <a:endParaRPr lang="en-US"/>
           </a:p>
@@ -1330,7 +1329,7 @@
             <a:fld id="{778D11B3-B33D-4421-B117-CBEAEEDF3B56}" type="datetimeFigureOut">
               <a:rPr lang="en-US"/>
               <a:pPr/>
-              <a:t>9/29/2014</a:t>
+              <a:t>10/2/2014</a:t>
             </a:fld>
             <a:endParaRPr lang="en-US"/>
           </a:p>
@@ -1522,7 +1521,7 @@
             <a:fld id="{E546F523-601C-4AE6-94D0-B6E0B6B185B6}" type="datetimeFigureOut">
               <a:rPr lang="en-US"/>
               <a:pPr/>
-              <a:t>9/29/2014</a:t>
+              <a:t>10/2/2014</a:t>
             </a:fld>
             <a:endParaRPr lang="en-US"/>
           </a:p>
@@ -1704,7 +1703,7 @@
             <a:fld id="{2755933F-A7CD-46E1-AE74-F4B25B8A5888}" type="datetimeFigureOut">
               <a:rPr lang="en-US"/>
               <a:pPr/>
-              <a:t>9/29/2014</a:t>
+              <a:t>10/2/2014</a:t>
             </a:fld>
             <a:endParaRPr lang="en-US"/>
           </a:p>
@@ -1962,7 +1961,7 @@
             <a:fld id="{E2DD70BF-DD26-4542-8867-0654A849CEFE}" type="datetimeFigureOut">
               <a:rPr lang="en-US"/>
               <a:pPr/>
-              <a:t>9/29/2014</a:t>
+              <a:t>10/2/2014</a:t>
             </a:fld>
             <a:endParaRPr lang="en-US"/>
           </a:p>
@@ -2262,7 +2261,7 @@
             <a:fld id="{80E5E274-32FD-4A30-AF3B-64174B6C2069}" type="datetimeFigureOut">
               <a:rPr lang="en-US"/>
               <a:pPr/>
-              <a:t>9/29/2014</a:t>
+              <a:t>10/2/2014</a:t>
             </a:fld>
             <a:endParaRPr lang="en-US"/>
           </a:p>
@@ -2696,7 +2695,7 @@
             <a:fld id="{02E83F24-3119-487E-BFBC-C70771716A50}" type="datetimeFigureOut">
               <a:rPr lang="en-US"/>
               <a:pPr/>
-              <a:t>9/29/2014</a:t>
+              <a:t>10/2/2014</a:t>
             </a:fld>
             <a:endParaRPr lang="en-US"/>
           </a:p>
@@ -2826,7 +2825,7 @@
             <a:fld id="{68DD7F26-701B-47E4-A59A-055252B49D89}" type="datetimeFigureOut">
               <a:rPr lang="en-US"/>
               <a:pPr/>
-              <a:t>9/29/2014</a:t>
+              <a:t>10/2/2014</a:t>
             </a:fld>
             <a:endParaRPr lang="en-US"/>
           </a:p>
@@ -2933,7 +2932,7 @@
             <a:fld id="{CACE95DC-D4F0-4723-9A98-48338ADC933B}" type="datetimeFigureOut">
               <a:rPr lang="en-US"/>
               <a:pPr/>
-              <a:t>9/29/2014</a:t>
+              <a:t>10/2/2014</a:t>
             </a:fld>
             <a:endParaRPr lang="en-US"/>
           </a:p>
@@ -3222,7 +3221,7 @@
             <a:fld id="{E253DCD9-B885-4B2F-841C-5BE81A85EC36}" type="datetimeFigureOut">
               <a:rPr lang="en-US"/>
               <a:pPr/>
-              <a:t>9/29/2014</a:t>
+              <a:t>10/2/2014</a:t>
             </a:fld>
             <a:endParaRPr lang="en-US"/>
           </a:p>
@@ -3490,7 +3489,7 @@
             <a:fld id="{292D2DE9-A858-4AF6-BFB6-E7BE7517C326}" type="datetimeFigureOut">
               <a:rPr lang="en-US"/>
               <a:pPr/>
-              <a:t>9/29/2014</a:t>
+              <a:t>10/2/2014</a:t>
             </a:fld>
             <a:endParaRPr lang="en-US"/>
           </a:p>
@@ -3732,7 +3731,7 @@
             <a:fld id="{28771537-7EF8-4AE1-AA34-66E7A6D640CE}" type="datetimeFigureOut">
               <a:rPr lang="en-US"/>
               <a:pPr/>
-              <a:t>9/29/2014</a:t>
+              <a:t>10/2/2014</a:t>
             </a:fld>
             <a:endParaRPr lang="en-US"/>
           </a:p>
@@ -4772,7 +4771,7 @@
           <a:p>
             <a:r>
               <a:rPr lang="en-US" dirty="0" smtClean="0"/>
-              <a:t>Python Environment</a:t>
+              <a:t>Python Editor</a:t>
             </a:r>
             <a:endParaRPr lang="en-US" dirty="0"/>
           </a:p>
@@ -4788,36 +4787,112 @@
             <p:ph idx="1"/>
           </p:nvPr>
         </p:nvSpPr>
-        <p:spPr/>
+        <p:spPr>
+          <a:xfrm>
+            <a:off x="457200" y="1600200"/>
+            <a:ext cx="8401050" cy="4525963"/>
+          </a:xfrm>
+        </p:spPr>
         <p:txBody>
           <a:bodyPr/>
           <a:lstStyle/>
           <a:p>
             <a:r>
               <a:rPr lang="en-US" sz="2800" dirty="0" smtClean="0"/>
-              <a:t>Setting up a Python environment can be challenging. Some libraries require native dependencies. There are various solutions to this problem.</a:t>
+              <a:t>Today, we will be using the </a:t>
+            </a:r>
+            <a:r>
+              <a:rPr lang="en-US" sz="2800" dirty="0" err="1" smtClean="0"/>
+              <a:t>ipython</a:t>
+            </a:r>
+            <a:r>
+              <a:rPr lang="en-US" sz="2800" dirty="0" smtClean="0"/>
+              <a:t> notebook. It is good for presentations and sharing finished code. It is not so good for code development. Here are some Python IDEs:</a:t>
             </a:r>
           </a:p>
           <a:p>
             <a:pPr lvl="1"/>
             <a:r>
+              <a:rPr lang="en-US" sz="2400" dirty="0" smtClean="0">
+                <a:hlinkClick r:id="rId2"/>
+              </a:rPr>
+              <a:t>Python Tools for Visual Studio</a:t>
+            </a:r>
+            <a:endParaRPr lang="en-US" sz="2400" dirty="0" smtClean="0"/>
+          </a:p>
+          <a:p>
+            <a:pPr lvl="1"/>
+            <a:r>
+              <a:rPr lang="en-US" sz="2400" dirty="0" smtClean="0">
+                <a:hlinkClick r:id="rId3"/>
+              </a:rPr>
+              <a:t>Spyder</a:t>
+            </a:r>
+            <a:r>
               <a:rPr lang="en-US" sz="2400" dirty="0" smtClean="0"/>
-              <a:t>Use a commercial Python distribution with a package manager. Academic use is typically free. This is a good option for beginners but has limitations.</a:t>
+              <a:t> (Scientific Python </a:t>
+            </a:r>
+            <a:r>
+              <a:rPr lang="en-US" sz="2400" dirty="0" err="1" smtClean="0"/>
+              <a:t>Developement</a:t>
+            </a:r>
+            <a:r>
+              <a:rPr lang="en-US" sz="2400" dirty="0" smtClean="0"/>
+              <a:t> </a:t>
+            </a:r>
+            <a:r>
+              <a:rPr lang="en-US" sz="2400" dirty="0" err="1" smtClean="0"/>
+              <a:t>EnviRonment</a:t>
+            </a:r>
+            <a:r>
+              <a:rPr lang="en-US" sz="2400" dirty="0" smtClean="0"/>
+              <a:t>)</a:t>
             </a:r>
           </a:p>
           <a:p>
             <a:pPr lvl="1"/>
             <a:r>
+              <a:rPr lang="en-US" sz="2400" dirty="0" smtClean="0">
+                <a:hlinkClick r:id="rId4"/>
+              </a:rPr>
+              <a:t>Emacs </a:t>
+            </a:r>
+            <a:r>
+              <a:rPr lang="en-US" sz="2400" dirty="0" err="1" smtClean="0">
+                <a:hlinkClick r:id="rId4"/>
+              </a:rPr>
+              <a:t>Ipython</a:t>
+            </a:r>
+            <a:r>
+              <a:rPr lang="en-US" sz="2400" dirty="0" smtClean="0">
+                <a:hlinkClick r:id="rId4"/>
+              </a:rPr>
+              <a:t> Notebook</a:t>
+            </a:r>
+            <a:endParaRPr lang="en-US" sz="2400" dirty="0" smtClean="0"/>
+          </a:p>
+          <a:p>
+            <a:pPr lvl="1"/>
+            <a:r>
+              <a:rPr lang="en-US" sz="2400" dirty="0" smtClean="0">
+                <a:hlinkClick r:id="rId5"/>
+              </a:rPr>
+              <a:t>Enthought Canopy Editor</a:t>
+            </a:r>
+            <a:endParaRPr lang="en-US" sz="2400" dirty="0" smtClean="0"/>
+          </a:p>
+          <a:p>
+            <a:pPr lvl="1"/>
+            <a:r>
+              <a:rPr lang="en-US" sz="2400" dirty="0" smtClean="0">
+                <a:hlinkClick r:id="rId6"/>
+              </a:rPr>
+              <a:t>Wakari</a:t>
+            </a:r>
+            <a:r>
               <a:rPr lang="en-US" sz="2400" dirty="0" smtClean="0"/>
-              <a:t>“Roll your own" Python library management strategy as you gain experience.</a:t>
-            </a:r>
-          </a:p>
-          <a:p>
-            <a:r>
-              <a:rPr lang="en-US" sz="2800" dirty="0" smtClean="0"/>
-              <a:t>For various reasons the scientific Python world is still at Python 2.7.x so that is what we will be using.</a:t>
-            </a:r>
-            <a:endParaRPr lang="en-US" sz="2800" dirty="0"/>
+              <a:t>, a hosted Python data analysis environment</a:t>
+            </a:r>
           </a:p>
         </p:txBody>
       </p:sp>
@@ -4870,180 +4945,6 @@
           <a:p>
             <a:r>
               <a:rPr lang="en-US" dirty="0" smtClean="0"/>
-              <a:t>Python Editor</a:t>
-            </a:r>
-            <a:endParaRPr lang="en-US" dirty="0"/>
-          </a:p>
-        </p:txBody>
-      </p:sp>
-      <p:sp>
-        <p:nvSpPr>
-          <p:cNvPr id="3" name="Content Placeholder 2"/>
-          <p:cNvSpPr>
-            <a:spLocks noGrp="1"/>
-          </p:cNvSpPr>
-          <p:nvPr>
-            <p:ph idx="1"/>
-          </p:nvPr>
-        </p:nvSpPr>
-        <p:spPr>
-          <a:xfrm>
-            <a:off x="457200" y="1600200"/>
-            <a:ext cx="8401050" cy="4525963"/>
-          </a:xfrm>
-        </p:spPr>
-        <p:txBody>
-          <a:bodyPr/>
-          <a:lstStyle/>
-          <a:p>
-            <a:r>
-              <a:rPr lang="en-US" sz="2800" dirty="0" smtClean="0"/>
-              <a:t>Today, we will be using the </a:t>
-            </a:r>
-            <a:r>
-              <a:rPr lang="en-US" sz="2800" dirty="0" err="1" smtClean="0"/>
-              <a:t>ipython</a:t>
-            </a:r>
-            <a:r>
-              <a:rPr lang="en-US" sz="2800" dirty="0" smtClean="0"/>
-              <a:t> notebook. It is good for presentations and sharing finished code. It is not so good for code development. Here are some Python IDEs:</a:t>
-            </a:r>
-          </a:p>
-          <a:p>
-            <a:pPr lvl="1"/>
-            <a:r>
-              <a:rPr lang="en-US" sz="2400" dirty="0" smtClean="0">
-                <a:hlinkClick r:id="rId2"/>
-              </a:rPr>
-              <a:t>Python Tools for Visual Studio</a:t>
-            </a:r>
-            <a:endParaRPr lang="en-US" sz="2400" dirty="0" smtClean="0"/>
-          </a:p>
-          <a:p>
-            <a:pPr lvl="1"/>
-            <a:r>
-              <a:rPr lang="en-US" sz="2400" dirty="0" smtClean="0">
-                <a:hlinkClick r:id="rId3"/>
-              </a:rPr>
-              <a:t>Spyder</a:t>
-            </a:r>
-            <a:r>
-              <a:rPr lang="en-US" sz="2400" dirty="0" smtClean="0"/>
-              <a:t> (Scientific Python </a:t>
-            </a:r>
-            <a:r>
-              <a:rPr lang="en-US" sz="2400" dirty="0" err="1" smtClean="0"/>
-              <a:t>Developement</a:t>
-            </a:r>
-            <a:r>
-              <a:rPr lang="en-US" sz="2400" dirty="0" smtClean="0"/>
-              <a:t> </a:t>
-            </a:r>
-            <a:r>
-              <a:rPr lang="en-US" sz="2400" dirty="0" err="1" smtClean="0"/>
-              <a:t>EnviRonment</a:t>
-            </a:r>
-            <a:r>
-              <a:rPr lang="en-US" sz="2400" dirty="0" smtClean="0"/>
-              <a:t>)</a:t>
-            </a:r>
-          </a:p>
-          <a:p>
-            <a:pPr lvl="1"/>
-            <a:r>
-              <a:rPr lang="en-US" sz="2400" dirty="0" smtClean="0">
-                <a:hlinkClick r:id="rId4"/>
-              </a:rPr>
-              <a:t>Emacs </a:t>
-            </a:r>
-            <a:r>
-              <a:rPr lang="en-US" sz="2400" dirty="0" err="1" smtClean="0">
-                <a:hlinkClick r:id="rId4"/>
-              </a:rPr>
-              <a:t>Ipython</a:t>
-            </a:r>
-            <a:r>
-              <a:rPr lang="en-US" sz="2400" dirty="0" smtClean="0">
-                <a:hlinkClick r:id="rId4"/>
-              </a:rPr>
-              <a:t> Notebook</a:t>
-            </a:r>
-            <a:endParaRPr lang="en-US" sz="2400" dirty="0" smtClean="0"/>
-          </a:p>
-          <a:p>
-            <a:pPr lvl="1"/>
-            <a:r>
-              <a:rPr lang="en-US" sz="2400" dirty="0" smtClean="0">
-                <a:hlinkClick r:id="rId5"/>
-              </a:rPr>
-              <a:t>Enthought Canopy Editor</a:t>
-            </a:r>
-            <a:endParaRPr lang="en-US" sz="2400" dirty="0" smtClean="0"/>
-          </a:p>
-          <a:p>
-            <a:pPr lvl="1"/>
-            <a:r>
-              <a:rPr lang="en-US" sz="2400" dirty="0" smtClean="0">
-                <a:hlinkClick r:id="rId6"/>
-              </a:rPr>
-              <a:t>Wakari</a:t>
-            </a:r>
-            <a:r>
-              <a:rPr lang="en-US" sz="2400" dirty="0" smtClean="0"/>
-              <a:t>, a hosted Python data analysis environment</a:t>
-            </a:r>
-          </a:p>
-        </p:txBody>
-      </p:sp>
-    </p:spTree>
-  </p:cSld>
-  <p:clrMapOvr>
-    <a:masterClrMapping/>
-  </p:clrMapOvr>
-  <p:timing>
-    <p:tnLst>
-      <p:par>
-        <p:cTn id="1" dur="indefinite" restart="never" nodeType="tmRoot"/>
-      </p:par>
-    </p:tnLst>
-  </p:timing>
-</p:sld>
-</file>
-
-<file path=ppt/slides/slide14.xml><?xml version="1.0" encoding="utf-8"?>
-<p:sld xmlns:a="http://schemas.openxmlformats.org/drawingml/2006/main" xmlns:r="http://schemas.openxmlformats.org/officeDocument/2006/relationships" xmlns:p="http://schemas.openxmlformats.org/presentationml/2006/main">
-  <p:cSld>
-    <p:spTree>
-      <p:nvGrpSpPr>
-        <p:cNvPr id="1" name=""/>
-        <p:cNvGrpSpPr/>
-        <p:nvPr/>
-      </p:nvGrpSpPr>
-      <p:grpSpPr>
-        <a:xfrm>
-          <a:off x="0" y="0"/>
-          <a:ext cx="0" cy="0"/>
-          <a:chOff x="0" y="0"/>
-          <a:chExt cx="0" cy="0"/>
-        </a:xfrm>
-      </p:grpSpPr>
-      <p:sp>
-        <p:nvSpPr>
-          <p:cNvPr id="2" name="Title 1"/>
-          <p:cNvSpPr>
-            <a:spLocks noGrp="1"/>
-          </p:cNvSpPr>
-          <p:nvPr>
-            <p:ph type="title"/>
-          </p:nvPr>
-        </p:nvSpPr>
-        <p:spPr/>
-        <p:txBody>
-          <a:bodyPr/>
-          <a:lstStyle/>
-          <a:p>
-            <a:r>
-              <a:rPr lang="en-US" dirty="0" smtClean="0"/>
               <a:t>Python Background material</a:t>
             </a:r>
             <a:endParaRPr lang="en-US" dirty="0"/>
@@ -5158,22 +5059,14 @@
               <a:rPr lang="en-US" sz="2400" dirty="0" smtClean="0">
                 <a:hlinkClick r:id="rId6"/>
               </a:rPr>
-              <a:t>Python Scientific Lecture Notes</a:t>
-            </a:r>
-            <a:endParaRPr lang="en-US" sz="2400" dirty="0" smtClean="0">
-              <a:hlinkClick r:id="rId9"/>
-            </a:endParaRPr>
-          </a:p>
-          <a:p>
-            <a:r>
-              <a:rPr lang="en-US" sz="2400" dirty="0" err="1" smtClean="0">
-                <a:hlinkClick r:id="rId9"/>
+              <a:t>Python Scientific Lecture </a:t>
+            </a:r>
+            <a:r>
+              <a:rPr lang="en-US" sz="2400" dirty="0" smtClean="0">
+                <a:hlinkClick r:id="rId6"/>
               </a:rPr>
-              <a:t>Enthought</a:t>
-            </a:r>
-            <a:endParaRPr lang="en-US" sz="2400" dirty="0" smtClean="0"/>
-          </a:p>
-          <a:p>
+              <a:t>Notes</a:t>
+            </a:r>
             <a:endParaRPr lang="en-US" sz="2400" dirty="0" smtClean="0"/>
           </a:p>
         </p:txBody>
@@ -5193,7 +5086,7 @@
 </p:sld>
 </file>
 
-<file path=ppt/slides/slide15.xml><?xml version="1.0" encoding="utf-8"?>
+<file path=ppt/slides/slide14.xml><?xml version="1.0" encoding="utf-8"?>
 <p:sld xmlns:a="http://schemas.openxmlformats.org/drawingml/2006/main" xmlns:r="http://schemas.openxmlformats.org/officeDocument/2006/relationships" xmlns:p="http://schemas.openxmlformats.org/presentationml/2006/main">
   <p:cSld>
     <p:spTree>
@@ -5362,7 +5255,7 @@
 </p:sld>
 </file>
 
-<file path=ppt/slides/slide16.xml><?xml version="1.0" encoding="utf-8"?>
+<file path=ppt/slides/slide15.xml><?xml version="1.0" encoding="utf-8"?>
 <p:sld xmlns:a="http://schemas.openxmlformats.org/drawingml/2006/main" xmlns:r="http://schemas.openxmlformats.org/officeDocument/2006/relationships" xmlns:p="http://schemas.openxmlformats.org/presentationml/2006/main">
   <p:cSld>
     <p:spTree>
@@ -5445,7 +5338,11 @@
             </a:r>
             <a:r>
               <a:rPr lang="en-US" dirty="0" smtClean="0"/>
-              <a:t> to visualization </a:t>
+              <a:t> to </a:t>
+            </a:r>
+            <a:r>
+              <a:rPr lang="en-US" dirty="0" smtClean="0"/>
+              <a:t>visualize </a:t>
             </a:r>
             <a:r>
               <a:rPr lang="en-US" dirty="0" err="1" smtClean="0"/>
@@ -5465,24 +5362,35 @@
           <a:p>
             <a:r>
               <a:rPr lang="en-US" dirty="0" smtClean="0"/>
-              <a:t>Accessing data with </a:t>
-            </a:r>
-            <a:r>
-              <a:rPr lang="en-US" dirty="0" err="1" smtClean="0"/>
-              <a:t>PyDAP</a:t>
-            </a:r>
-            <a:endParaRPr lang="en-US" dirty="0" smtClean="0"/>
-          </a:p>
-          <a:p>
+              <a:t>Read </a:t>
+            </a:r>
             <a:r>
               <a:rPr lang="en-US" dirty="0" smtClean="0"/>
-              <a:t>Read Radar Level 2 data</a:t>
+              <a:t>Radar Level 2 data</a:t>
             </a:r>
           </a:p>
           <a:p>
             <a:r>
               <a:rPr lang="en-US" dirty="0" smtClean="0"/>
-              <a:t>Request maps from an OGC WMS server</a:t>
+              <a:t>Request maps </a:t>
+            </a:r>
+            <a:r>
+              <a:rPr lang="en-US" dirty="0" smtClean="0"/>
+              <a:t>from </a:t>
+            </a:r>
+            <a:r>
+              <a:rPr lang="en-US" dirty="0" smtClean="0"/>
+              <a:t>an OGC WMS </a:t>
+            </a:r>
+            <a:r>
+              <a:rPr lang="en-US" dirty="0" smtClean="0"/>
+              <a:t>server</a:t>
+            </a:r>
+          </a:p>
+          <a:p>
+            <a:r>
+              <a:rPr lang="en-US" dirty="0" smtClean="0"/>
+              <a:t>And lots more …</a:t>
             </a:r>
             <a:endParaRPr lang="en-US" dirty="0"/>
           </a:p>

--- a/Overview.pptx
+++ b/Overview.pptx
@@ -14,7 +14,7 @@
     <p:sldId id="322" r:id="rId5"/>
     <p:sldId id="324" r:id="rId6"/>
     <p:sldId id="341" r:id="rId7"/>
-    <p:sldId id="339" r:id="rId8"/>
+    <p:sldId id="344" r:id="rId8"/>
     <p:sldId id="332" r:id="rId9"/>
     <p:sldId id="335" r:id="rId10"/>
     <p:sldId id="327" r:id="rId11"/>
@@ -156,6 +156,7 @@
 
 <file path=ppt/charts/chart1.xml><?xml version="1.0" encoding="utf-8"?>
 <c:chartSpace xmlns:c="http://schemas.openxmlformats.org/drawingml/2006/chart" xmlns:a="http://schemas.openxmlformats.org/drawingml/2006/main" xmlns:r="http://schemas.openxmlformats.org/officeDocument/2006/relationships">
+  <c:date1904 val="1"/>
   <c:lang val="en-US"/>
   <c:chart>
     <c:plotArea>
@@ -361,25 +362,25 @@
           </c:val>
         </c:ser>
         <c:marker val="1"/>
-        <c:axId val="82666240"/>
-        <c:axId val="82667776"/>
+        <c:axId val="65434752"/>
+        <c:axId val="65436288"/>
       </c:lineChart>
       <c:catAx>
-        <c:axId val="82666240"/>
+        <c:axId val="65434752"/>
         <c:scaling>
           <c:orientation val="minMax"/>
         </c:scaling>
         <c:axPos val="b"/>
         <c:numFmt formatCode="General" sourceLinked="1"/>
         <c:tickLblPos val="nextTo"/>
-        <c:crossAx val="82667776"/>
+        <c:crossAx val="65436288"/>
         <c:crosses val="autoZero"/>
         <c:auto val="1"/>
         <c:lblAlgn val="ctr"/>
         <c:lblOffset val="100"/>
       </c:catAx>
       <c:valAx>
-        <c:axId val="82667776"/>
+        <c:axId val="65436288"/>
         <c:scaling>
           <c:orientation val="minMax"/>
         </c:scaling>
@@ -387,7 +388,7 @@
         <c:majorGridlines/>
         <c:numFmt formatCode="General" sourceLinked="1"/>
         <c:tickLblPos val="nextTo"/>
-        <c:crossAx val="82666240"/>
+        <c:crossAx val="65434752"/>
         <c:crosses val="autoZero"/>
         <c:crossBetween val="between"/>
       </c:valAx>
@@ -505,7 +506,7 @@
             <a:fld id="{D0858862-58BF-44B0-8200-136196B2F4C7}" type="datetimeFigureOut">
               <a:rPr lang="en-US"/>
               <a:pPr/>
-              <a:t>10/2/2014</a:t>
+              <a:t>10/6/2014</a:t>
             </a:fld>
             <a:endParaRPr lang="en-US"/>
           </a:p>
@@ -1147,7 +1148,7 @@
             <a:fld id="{F30AFB2F-5EF3-4CAB-B2FE-BA0A39E220C6}" type="datetimeFigureOut">
               <a:rPr lang="en-US"/>
               <a:pPr/>
-              <a:t>10/2/2014</a:t>
+              <a:t>10/6/2014</a:t>
             </a:fld>
             <a:endParaRPr lang="en-US"/>
           </a:p>
@@ -1329,7 +1330,7 @@
             <a:fld id="{778D11B3-B33D-4421-B117-CBEAEEDF3B56}" type="datetimeFigureOut">
               <a:rPr lang="en-US"/>
               <a:pPr/>
-              <a:t>10/2/2014</a:t>
+              <a:t>10/6/2014</a:t>
             </a:fld>
             <a:endParaRPr lang="en-US"/>
           </a:p>
@@ -1521,7 +1522,7 @@
             <a:fld id="{E546F523-601C-4AE6-94D0-B6E0B6B185B6}" type="datetimeFigureOut">
               <a:rPr lang="en-US"/>
               <a:pPr/>
-              <a:t>10/2/2014</a:t>
+              <a:t>10/6/2014</a:t>
             </a:fld>
             <a:endParaRPr lang="en-US"/>
           </a:p>
@@ -1703,7 +1704,7 @@
             <a:fld id="{2755933F-A7CD-46E1-AE74-F4B25B8A5888}" type="datetimeFigureOut">
               <a:rPr lang="en-US"/>
               <a:pPr/>
-              <a:t>10/2/2014</a:t>
+              <a:t>10/6/2014</a:t>
             </a:fld>
             <a:endParaRPr lang="en-US"/>
           </a:p>
@@ -1961,7 +1962,7 @@
             <a:fld id="{E2DD70BF-DD26-4542-8867-0654A849CEFE}" type="datetimeFigureOut">
               <a:rPr lang="en-US"/>
               <a:pPr/>
-              <a:t>10/2/2014</a:t>
+              <a:t>10/6/2014</a:t>
             </a:fld>
             <a:endParaRPr lang="en-US"/>
           </a:p>
@@ -2261,7 +2262,7 @@
             <a:fld id="{80E5E274-32FD-4A30-AF3B-64174B6C2069}" type="datetimeFigureOut">
               <a:rPr lang="en-US"/>
               <a:pPr/>
-              <a:t>10/2/2014</a:t>
+              <a:t>10/6/2014</a:t>
             </a:fld>
             <a:endParaRPr lang="en-US"/>
           </a:p>
@@ -2695,7 +2696,7 @@
             <a:fld id="{02E83F24-3119-487E-BFBC-C70771716A50}" type="datetimeFigureOut">
               <a:rPr lang="en-US"/>
               <a:pPr/>
-              <a:t>10/2/2014</a:t>
+              <a:t>10/6/2014</a:t>
             </a:fld>
             <a:endParaRPr lang="en-US"/>
           </a:p>
@@ -2825,7 +2826,7 @@
             <a:fld id="{68DD7F26-701B-47E4-A59A-055252B49D89}" type="datetimeFigureOut">
               <a:rPr lang="en-US"/>
               <a:pPr/>
-              <a:t>10/2/2014</a:t>
+              <a:t>10/6/2014</a:t>
             </a:fld>
             <a:endParaRPr lang="en-US"/>
           </a:p>
@@ -2932,7 +2933,7 @@
             <a:fld id="{CACE95DC-D4F0-4723-9A98-48338ADC933B}" type="datetimeFigureOut">
               <a:rPr lang="en-US"/>
               <a:pPr/>
-              <a:t>10/2/2014</a:t>
+              <a:t>10/6/2014</a:t>
             </a:fld>
             <a:endParaRPr lang="en-US"/>
           </a:p>
@@ -3221,7 +3222,7 @@
             <a:fld id="{E253DCD9-B885-4B2F-841C-5BE81A85EC36}" type="datetimeFigureOut">
               <a:rPr lang="en-US"/>
               <a:pPr/>
-              <a:t>10/2/2014</a:t>
+              <a:t>10/6/2014</a:t>
             </a:fld>
             <a:endParaRPr lang="en-US"/>
           </a:p>
@@ -3489,7 +3490,7 @@
             <a:fld id="{292D2DE9-A858-4AF6-BFB6-E7BE7517C326}" type="datetimeFigureOut">
               <a:rPr lang="en-US"/>
               <a:pPr/>
-              <a:t>10/2/2014</a:t>
+              <a:t>10/6/2014</a:t>
             </a:fld>
             <a:endParaRPr lang="en-US"/>
           </a:p>
@@ -3731,7 +3732,7 @@
             <a:fld id="{28771537-7EF8-4AE1-AA34-66E7A6D640CE}" type="datetimeFigureOut">
               <a:rPr lang="en-US"/>
               <a:pPr/>
-              <a:t>10/2/2014</a:t>
+              <a:t>10/6/2014</a:t>
             </a:fld>
             <a:endParaRPr lang="en-US"/>
           </a:p>
@@ -5059,13 +5060,7 @@
               <a:rPr lang="en-US" sz="2400" dirty="0" smtClean="0">
                 <a:hlinkClick r:id="rId6"/>
               </a:rPr>
-              <a:t>Python Scientific Lecture </a:t>
-            </a:r>
-            <a:r>
-              <a:rPr lang="en-US" sz="2400" dirty="0" smtClean="0">
-                <a:hlinkClick r:id="rId6"/>
-              </a:rPr>
-              <a:t>Notes</a:t>
+              <a:t>Python Scientific Lecture Notes</a:t>
             </a:r>
             <a:endParaRPr lang="en-US" sz="2400" dirty="0" smtClean="0"/>
           </a:p>
@@ -5338,11 +5333,7 @@
             </a:r>
             <a:r>
               <a:rPr lang="en-US" dirty="0" smtClean="0"/>
-              <a:t> to </a:t>
-            </a:r>
-            <a:r>
-              <a:rPr lang="en-US" dirty="0" smtClean="0"/>
-              <a:t>visualize </a:t>
+              <a:t> to visualize </a:t>
             </a:r>
             <a:r>
               <a:rPr lang="en-US" dirty="0" err="1" smtClean="0"/>
@@ -5362,29 +5353,13 @@
           <a:p>
             <a:r>
               <a:rPr lang="en-US" dirty="0" smtClean="0"/>
-              <a:t>Read </a:t>
-            </a:r>
+              <a:t>Read Radar Level 2 data</a:t>
+            </a:r>
+          </a:p>
+          <a:p>
             <a:r>
               <a:rPr lang="en-US" dirty="0" smtClean="0"/>
-              <a:t>Radar Level 2 data</a:t>
-            </a:r>
-          </a:p>
-          <a:p>
-            <a:r>
-              <a:rPr lang="en-US" dirty="0" smtClean="0"/>
-              <a:t>Request maps </a:t>
-            </a:r>
-            <a:r>
-              <a:rPr lang="en-US" dirty="0" smtClean="0"/>
-              <a:t>from </a:t>
-            </a:r>
-            <a:r>
-              <a:rPr lang="en-US" dirty="0" smtClean="0"/>
-              <a:t>an OGC WMS </a:t>
-            </a:r>
-            <a:r>
-              <a:rPr lang="en-US" dirty="0" smtClean="0"/>
-              <a:t>server</a:t>
+              <a:t>Request maps from an OGC WMS server</a:t>
             </a:r>
           </a:p>
           <a:p>
@@ -6633,7 +6608,7 @@
       </p:grpSpPr>
       <p:pic>
         <p:nvPicPr>
-          <p:cNvPr id="26628" name="Picture 4" descr="netcdf_architecture.png"/>
+          <p:cNvPr id="26626" name="Picture 2" descr="nc-classic-uml.png"/>
           <p:cNvPicPr>
             <a:picLocks noChangeAspect="1" noChangeArrowheads="1"/>
           </p:cNvPicPr>
@@ -6648,8 +6623,8 @@
         </p:blipFill>
         <p:spPr bwMode="auto">
           <a:xfrm>
-            <a:off x="5143500" y="1684245"/>
-            <a:ext cx="3989070" cy="5162325"/>
+            <a:off x="136486" y="3687093"/>
+            <a:ext cx="4134767" cy="2848395"/>
           </a:xfrm>
           <a:prstGeom prst="rect">
             <a:avLst/>
@@ -6657,6 +6632,30 @@
           <a:noFill/>
         </p:spPr>
       </p:pic>
+      <p:pic>
+        <p:nvPicPr>
+          <p:cNvPr id="6" name="Picture 5" descr="netcdf_architecture.png"/>
+          <p:cNvPicPr>
+            <a:picLocks noChangeAspect="1"/>
+          </p:cNvPicPr>
+          <p:nvPr/>
+        </p:nvPicPr>
+        <p:blipFill>
+          <a:blip r:embed="rId3" cstate="print"/>
+          <a:stretch>
+            <a:fillRect/>
+          </a:stretch>
+        </p:blipFill>
+        <p:spPr>
+          <a:xfrm>
+            <a:off x="4021365" y="3283977"/>
+            <a:ext cx="5135545" cy="3079369"/>
+          </a:xfrm>
+          <a:prstGeom prst="rect">
+            <a:avLst/>
+          </a:prstGeom>
+        </p:spPr>
+      </p:pic>
       <p:sp>
         <p:nvSpPr>
           <p:cNvPr id="2" name="Title 1"/>
@@ -6729,32 +6728,66 @@
           </a:p>
         </p:txBody>
       </p:sp>
-      <p:pic>
-        <p:nvPicPr>
-          <p:cNvPr id="26626" name="Picture 2" descr="nc-classic-uml.png"/>
-          <p:cNvPicPr>
-            <a:picLocks noChangeAspect="1" noChangeArrowheads="1"/>
-          </p:cNvPicPr>
+      <p:sp>
+        <p:nvSpPr>
+          <p:cNvPr id="7" name="TextBox 6"/>
+          <p:cNvSpPr txBox="1"/>
           <p:nvPr/>
-        </p:nvPicPr>
-        <p:blipFill>
-          <a:blip r:embed="rId3" cstate="print"/>
-          <a:srcRect/>
-          <a:stretch>
-            <a:fillRect/>
-          </a:stretch>
-        </p:blipFill>
-        <p:spPr bwMode="auto">
+        </p:nvSpPr>
+        <p:spPr>
           <a:xfrm>
-            <a:off x="470773" y="3406140"/>
-            <a:ext cx="4399881" cy="3031029"/>
+            <a:off x="6125499" y="3018500"/>
+            <a:ext cx="1790875" cy="246221"/>
           </a:xfrm>
           <a:prstGeom prst="rect">
             <a:avLst/>
           </a:prstGeom>
           <a:noFill/>
         </p:spPr>
-      </p:pic>
+        <p:txBody>
+          <a:bodyPr wrap="none" rtlCol="0">
+            <a:spAutoFit/>
+          </a:bodyPr>
+          <a:lstStyle/>
+          <a:p>
+            <a:r>
+              <a:rPr lang="en-US" sz="1000" dirty="0" smtClean="0"/>
+              <a:t>NetCDF Library Architecture</a:t>
+            </a:r>
+            <a:endParaRPr lang="en-US" sz="1000" dirty="0"/>
+          </a:p>
+        </p:txBody>
+      </p:sp>
+      <p:sp>
+        <p:nvSpPr>
+          <p:cNvPr id="8" name="TextBox 7"/>
+          <p:cNvSpPr txBox="1"/>
+          <p:nvPr/>
+        </p:nvSpPr>
+        <p:spPr>
+          <a:xfrm>
+            <a:off x="762044" y="3426539"/>
+            <a:ext cx="1691489" cy="246221"/>
+          </a:xfrm>
+          <a:prstGeom prst="rect">
+            <a:avLst/>
+          </a:prstGeom>
+          <a:noFill/>
+        </p:spPr>
+        <p:txBody>
+          <a:bodyPr wrap="none" rtlCol="0">
+            <a:spAutoFit/>
+          </a:bodyPr>
+          <a:lstStyle/>
+          <a:p>
+            <a:r>
+              <a:rPr lang="en-US" sz="1000" dirty="0" smtClean="0"/>
+              <a:t>NetCDF Class Data Model</a:t>
+            </a:r>
+            <a:endParaRPr lang="en-US" sz="1000" dirty="0"/>
+          </a:p>
+        </p:txBody>
+      </p:sp>
     </p:spTree>
   </p:cSld>
   <p:clrMapOvr>
